--- a/thirdDraft/oscc_project_v3.pptx
+++ b/thirdDraft/oscc_project_v3.pptx
@@ -25,6 +25,7 @@
     <p:sldId id="278" r:id="rId19"/>
     <p:sldId id="279" r:id="rId20"/>
     <p:sldId id="280" r:id="rId21"/>
+    <p:sldId id="281" r:id="rId22"/>
   </p:sldIdLst>
   <p:sldSz cx="9144000" cy="6858000" type="screen4x3"/>
   <p:notesSz cx="6858000" cy="9144000"/>
@@ -3154,6 +3155,13 @@
   <p:clrMapOvr>
     <a:masterClrMapping/>
   </p:clrMapOvr>
+  <p:timing>
+    <p:tnLst>
+      <p:par>
+        <p:cTn id="1" dur="indefinite" restart="never" nodeType="tmRoot"/>
+      </p:par>
+    </p:tnLst>
+  </p:timing>
 </p:sld>
 </file>
 
@@ -3225,6 +3233,13 @@
   <p:clrMapOvr>
     <a:masterClrMapping/>
   </p:clrMapOvr>
+  <p:timing>
+    <p:tnLst>
+      <p:par>
+        <p:cTn id="1" dur="indefinite" restart="never" nodeType="tmRoot"/>
+      </p:par>
+    </p:tnLst>
+  </p:timing>
 </p:sld>
 </file>
 
@@ -3296,6 +3311,13 @@
   <p:clrMapOvr>
     <a:masterClrMapping/>
   </p:clrMapOvr>
+  <p:timing>
+    <p:tnLst>
+      <p:par>
+        <p:cTn id="1" dur="indefinite" restart="never" nodeType="tmRoot"/>
+      </p:par>
+    </p:tnLst>
+  </p:timing>
 </p:sld>
 </file>
 
@@ -3356,6 +3378,13 @@
   <p:clrMapOvr>
     <a:masterClrMapping/>
   </p:clrMapOvr>
+  <p:timing>
+    <p:tnLst>
+      <p:par>
+        <p:cTn id="1" dur="indefinite" restart="never" nodeType="tmRoot"/>
+      </p:par>
+    </p:tnLst>
+  </p:timing>
 </p:sld>
 </file>
 
@@ -3416,6 +3445,13 @@
   <p:clrMapOvr>
     <a:masterClrMapping/>
   </p:clrMapOvr>
+  <p:timing>
+    <p:tnLst>
+      <p:par>
+        <p:cTn id="1" dur="indefinite" restart="never" nodeType="tmRoot"/>
+      </p:par>
+    </p:tnLst>
+  </p:timing>
 </p:sld>
 </file>
 
@@ -5434,6 +5470,13 @@
   <p:clrMapOvr>
     <a:masterClrMapping/>
   </p:clrMapOvr>
+  <p:timing>
+    <p:tnLst>
+      <p:par>
+        <p:cTn id="1" dur="indefinite" restart="never" nodeType="tmRoot"/>
+      </p:par>
+    </p:tnLst>
+  </p:timing>
 </p:sld>
 </file>
 
@@ -5542,6 +5585,73 @@
     <p:extLst>
       <p:ext uri="{BB962C8B-B14F-4D97-AF65-F5344CB8AC3E}">
         <p14:creationId xmlns:p14="http://schemas.microsoft.com/office/powerpoint/2010/main" val="4272184010"/>
+      </p:ext>
+    </p:extLst>
+  </p:cSld>
+  <p:clrMapOvr>
+    <a:masterClrMapping/>
+  </p:clrMapOvr>
+  <p:timing>
+    <p:tnLst>
+      <p:par>
+        <p:cTn id="1" dur="indefinite" restart="never" nodeType="tmRoot"/>
+      </p:par>
+    </p:tnLst>
+  </p:timing>
+</p:sld>
+</file>
+
+<file path=ppt/slides/slide21.xml><?xml version="1.0" encoding="utf-8"?>
+<p:sld xmlns:a="http://schemas.openxmlformats.org/drawingml/2006/main" xmlns:r="http://schemas.openxmlformats.org/officeDocument/2006/relationships" xmlns:p="http://schemas.openxmlformats.org/presentationml/2006/main">
+  <p:cSld>
+    <p:spTree>
+      <p:nvGrpSpPr>
+        <p:cNvPr id="1" name=""/>
+        <p:cNvGrpSpPr/>
+        <p:nvPr/>
+      </p:nvGrpSpPr>
+      <p:grpSpPr>
+        <a:xfrm>
+          <a:off x="0" y="0"/>
+          <a:ext cx="0" cy="0"/>
+          <a:chOff x="0" y="0"/>
+          <a:chExt cx="0" cy="0"/>
+        </a:xfrm>
+      </p:grpSpPr>
+      <p:pic>
+        <p:nvPicPr>
+          <p:cNvPr id="2" name="Picture 1"/>
+          <p:cNvPicPr>
+            <a:picLocks noChangeAspect="1"/>
+          </p:cNvPicPr>
+          <p:nvPr/>
+        </p:nvPicPr>
+        <p:blipFill>
+          <a:blip r:embed="rId2">
+            <a:extLst>
+              <a:ext uri="{28A0092B-C50C-407E-A947-70E740481C1C}">
+                <a14:useLocalDpi xmlns:a14="http://schemas.microsoft.com/office/drawing/2010/main" val="0"/>
+              </a:ext>
+            </a:extLst>
+          </a:blip>
+          <a:stretch>
+            <a:fillRect/>
+          </a:stretch>
+        </p:blipFill>
+        <p:spPr>
+          <a:xfrm>
+            <a:off x="1371600" y="233362"/>
+            <a:ext cx="6400800" cy="6391275"/>
+          </a:xfrm>
+          <a:prstGeom prst="rect">
+            <a:avLst/>
+          </a:prstGeom>
+        </p:spPr>
+      </p:pic>
+    </p:spTree>
+    <p:extLst>
+      <p:ext uri="{BB962C8B-B14F-4D97-AF65-F5344CB8AC3E}">
+        <p14:creationId xmlns:p14="http://schemas.microsoft.com/office/powerpoint/2010/main" val="3366559051"/>
       </p:ext>
     </p:extLst>
   </p:cSld>
@@ -5749,6 +5859,13 @@
   <p:clrMapOvr>
     <a:masterClrMapping/>
   </p:clrMapOvr>
+  <p:timing>
+    <p:tnLst>
+      <p:par>
+        <p:cTn id="1" dur="indefinite" restart="never" nodeType="tmRoot"/>
+      </p:par>
+    </p:tnLst>
+  </p:timing>
 </p:sld>
 </file>
 
@@ -5943,6 +6060,13 @@
   <p:clrMapOvr>
     <a:masterClrMapping/>
   </p:clrMapOvr>
+  <p:timing>
+    <p:tnLst>
+      <p:par>
+        <p:cTn id="1" dur="indefinite" restart="never" nodeType="tmRoot"/>
+      </p:par>
+    </p:tnLst>
+  </p:timing>
 </p:sld>
 </file>
 
@@ -6137,6 +6261,13 @@
   <p:clrMapOvr>
     <a:masterClrMapping/>
   </p:clrMapOvr>
+  <p:timing>
+    <p:tnLst>
+      <p:par>
+        <p:cTn id="1" dur="indefinite" restart="never" nodeType="tmRoot"/>
+      </p:par>
+    </p:tnLst>
+  </p:timing>
 </p:sld>
 </file>
 
@@ -6750,7 +6881,7 @@
           <a:p>
             <a:r>
               <a:rPr lang="en-US" dirty="0" smtClean="0"/>
-              <a:t>The challenge/objectives</a:t>
+              <a:t>The challenges/objectives</a:t>
             </a:r>
             <a:endParaRPr lang="en-US" dirty="0"/>
           </a:p>
@@ -6778,6 +6909,12 @@
           </a:p>
           <a:p>
             <a:r>
+              <a:rPr lang="en-US" dirty="0" smtClean="0"/>
+              <a:t>Even, the replication cell population</a:t>
+            </a:r>
+          </a:p>
+          <a:p>
+            <a:r>
               <a:rPr lang="en-US" dirty="0"/>
               <a:t>To get the sufficient summarization of the data</a:t>
             </a:r>
@@ -6785,7 +6922,7 @@
           <a:p>
             <a:r>
               <a:rPr lang="en-US" dirty="0" smtClean="0"/>
-              <a:t>To pruning the predication model</a:t>
+              <a:t>To pruning the predication model(s)</a:t>
             </a:r>
             <a:endParaRPr lang="en-US" dirty="0"/>
           </a:p>
@@ -6801,6 +6938,13 @@
   <p:clrMapOvr>
     <a:masterClrMapping/>
   </p:clrMapOvr>
+  <p:timing>
+    <p:tnLst>
+      <p:par>
+        <p:cTn id="1" dur="indefinite" restart="never" nodeType="tmRoot"/>
+      </p:par>
+    </p:tnLst>
+  </p:timing>
 </p:sld>
 </file>
 
@@ -6861,6 +7005,13 @@
   <p:clrMapOvr>
     <a:masterClrMapping/>
   </p:clrMapOvr>
+  <p:timing>
+    <p:tnLst>
+      <p:par>
+        <p:cTn id="1" dur="indefinite" restart="never" nodeType="tmRoot"/>
+      </p:par>
+    </p:tnLst>
+  </p:timing>
 </p:sld>
 </file>
 
